--- a/Apresentacao.pptx
+++ b/Apresentacao.pptx
@@ -7720,20 +7720,16 @@
               <a:rPr lang="pt-BR" dirty="0" smtClean="0"/>
               <a:t>Patrícia Pontes Cruz</a:t>
             </a:r>
+            <a:r>
+              <a:rPr lang="pt-BR" smtClean="0"/>
+              <a:t/>
+            </a:r>
             <a:br>
-              <a:rPr lang="pt-BR" dirty="0" smtClean="0"/>
+              <a:rPr lang="pt-BR" smtClean="0"/>
             </a:br>
             <a:r>
-              <a:rPr lang="pt-BR" dirty="0" smtClean="0"/>
-              <a:t>Renan </a:t>
-            </a:r>
-            <a:r>
-              <a:rPr lang="pt-BR" dirty="0" smtClean="0">
-                <a:solidFill>
-                  <a:srgbClr val="FF0000"/>
-                </a:solidFill>
-              </a:rPr>
-              <a:t>RESTO DO NOME</a:t>
+              <a:rPr lang="pt-BR"/>
+              <a:t>Renan Farias Felipe</a:t>
             </a:r>
             <a:endParaRPr lang="pt-BR" dirty="0"/>
           </a:p>
@@ -8290,6 +8286,155 @@
           <a:bodyPr/>
           <a:lstStyle/>
           <a:p>
+            <a:r>
+              <a:rPr lang="pt-BR" dirty="0">
+                <a:solidFill>
+                  <a:schemeClr val="tx1"/>
+                </a:solidFill>
+              </a:rPr>
+              <a:t>Criação da base do </a:t>
+            </a:r>
+            <a:r>
+              <a:rPr lang="pt-BR" dirty="0" smtClean="0">
+                <a:solidFill>
+                  <a:schemeClr val="tx1"/>
+                </a:solidFill>
+              </a:rPr>
+              <a:t>tabuleiro</a:t>
+            </a:r>
+          </a:p>
+          <a:p>
+            <a:r>
+              <a:rPr lang="pt-BR" dirty="0" smtClean="0">
+                <a:solidFill>
+                  <a:schemeClr val="tx1"/>
+                </a:solidFill>
+              </a:rPr>
+              <a:t>Código </a:t>
+            </a:r>
+            <a:r>
+              <a:rPr lang="pt-BR" dirty="0">
+                <a:solidFill>
+                  <a:schemeClr val="tx1"/>
+                </a:solidFill>
+              </a:rPr>
+              <a:t>para instanciar as cartas</a:t>
+            </a:r>
+          </a:p>
+          <a:p>
+            <a:r>
+              <a:rPr lang="pt-BR" dirty="0">
+                <a:solidFill>
+                  <a:schemeClr val="tx1"/>
+                </a:solidFill>
+              </a:rPr>
+              <a:t>Código para dar as </a:t>
+            </a:r>
+            <a:r>
+              <a:rPr lang="pt-BR" dirty="0" smtClean="0">
+                <a:solidFill>
+                  <a:schemeClr val="tx1"/>
+                </a:solidFill>
+              </a:rPr>
+              <a:t>cartas</a:t>
+            </a:r>
+          </a:p>
+          <a:p>
+            <a:r>
+              <a:rPr lang="pt-BR" dirty="0" smtClean="0">
+                <a:solidFill>
+                  <a:schemeClr val="tx1"/>
+                </a:solidFill>
+              </a:rPr>
+              <a:t>Código </a:t>
+            </a:r>
+            <a:r>
+              <a:rPr lang="pt-BR" dirty="0">
+                <a:solidFill>
+                  <a:schemeClr val="tx1"/>
+                </a:solidFill>
+              </a:rPr>
+              <a:t>de </a:t>
+            </a:r>
+            <a:r>
+              <a:rPr lang="pt-BR" dirty="0" err="1">
+                <a:solidFill>
+                  <a:schemeClr val="tx1"/>
+                </a:solidFill>
+              </a:rPr>
+              <a:t>GameManage</a:t>
+            </a:r>
+            <a:r>
+              <a:rPr lang="pt-BR" dirty="0">
+                <a:solidFill>
+                  <a:schemeClr val="tx1"/>
+                </a:solidFill>
+              </a:rPr>
+              <a:t> para controlar o UI com a vez e pontos</a:t>
+            </a:r>
+          </a:p>
+          <a:p>
+            <a:r>
+              <a:rPr lang="pt-BR" dirty="0">
+                <a:solidFill>
+                  <a:schemeClr val="tx1"/>
+                </a:solidFill>
+              </a:rPr>
+              <a:t>Imagens das </a:t>
+            </a:r>
+            <a:r>
+              <a:rPr lang="pt-BR" dirty="0" smtClean="0">
+                <a:solidFill>
+                  <a:schemeClr val="tx1"/>
+                </a:solidFill>
+              </a:rPr>
+              <a:t>cartas</a:t>
+            </a:r>
+          </a:p>
+          <a:p>
+            <a:endParaRPr lang="pt-BR" dirty="0">
+              <a:solidFill>
+                <a:schemeClr val="tx1"/>
+              </a:solidFill>
+            </a:endParaRPr>
+          </a:p>
+          <a:p>
+            <a:r>
+              <a:rPr lang="pt-BR" dirty="0">
+                <a:solidFill>
+                  <a:srgbClr val="FF0000"/>
+                </a:solidFill>
+              </a:rPr>
+              <a:t>Códigos para mover as cartas</a:t>
+            </a:r>
+          </a:p>
+          <a:p>
+            <a:r>
+              <a:rPr lang="pt-BR" dirty="0">
+                <a:solidFill>
+                  <a:srgbClr val="FF0000"/>
+                </a:solidFill>
+              </a:rPr>
+              <a:t>Códigos de ação (passe, chute</a:t>
+            </a:r>
+            <a:r>
+              <a:rPr lang="pt-BR" dirty="0" smtClean="0">
+                <a:solidFill>
+                  <a:srgbClr val="FF0000"/>
+                </a:solidFill>
+              </a:rPr>
+              <a:t>)</a:t>
+            </a:r>
+            <a:endParaRPr lang="pt-BR" dirty="0">
+              <a:solidFill>
+                <a:srgbClr val="FF0000"/>
+              </a:solidFill>
+            </a:endParaRPr>
+          </a:p>
+          <a:p>
+            <a:pPr marL="0" indent="0">
+              <a:buNone/>
+            </a:pPr>
             <a:endParaRPr lang="pt-BR" dirty="0">
               <a:solidFill>
                 <a:schemeClr val="tx1"/>

--- a/Apresentacao.pptx
+++ b/Apresentacao.pptx
@@ -7684,54 +7684,45 @@
           <a:lstStyle/>
           <a:p>
             <a:r>
+              <a:rPr lang="pt-BR" dirty="0"/>
+              <a:t>Larissa Noronha de Araújo</a:t>
+            </a:r>
+            <a:br>
+              <a:rPr lang="pt-BR" dirty="0"/>
+            </a:br>
+            <a:r>
+              <a:rPr lang="pt-BR" dirty="0"/>
+              <a:t>Luiza Beatriz </a:t>
+            </a:r>
+            <a:r>
               <a:rPr lang="pt-BR" dirty="0" smtClean="0"/>
-              <a:t>Larissa Noronha de Araújo</a:t>
+              <a:t>Ribeiro </a:t>
+            </a:r>
+            <a:r>
+              <a:rPr lang="pt-BR" dirty="0"/>
+              <a:t>Magalhães</a:t>
             </a:r>
             <a:br>
-              <a:rPr lang="pt-BR" dirty="0" smtClean="0"/>
+              <a:rPr lang="pt-BR" dirty="0"/>
             </a:br>
             <a:r>
-              <a:rPr lang="pt-BR" dirty="0" smtClean="0"/>
-              <a:t>Luiza </a:t>
-            </a:r>
-            <a:r>
-              <a:rPr lang="pt-BR" dirty="0" smtClean="0">
-                <a:solidFill>
-                  <a:srgbClr val="FF0000"/>
-                </a:solidFill>
-              </a:rPr>
-              <a:t>RESTO DO NOME</a:t>
-            </a:r>
-            <a:r>
-              <a:rPr lang="pt-BR" dirty="0" smtClean="0"/>
-              <a:t/>
+              <a:rPr lang="pt-BR" dirty="0"/>
+              <a:t>Moisés Cavalcante Fernandes</a:t>
             </a:r>
             <a:br>
-              <a:rPr lang="pt-BR" dirty="0" smtClean="0"/>
+              <a:rPr lang="pt-BR" dirty="0"/>
             </a:br>
             <a:r>
-              <a:rPr lang="pt-BR" dirty="0" smtClean="0"/>
-              <a:t>Moisés Cavalcante Fernandes</a:t>
+              <a:rPr lang="pt-BR" dirty="0"/>
+              <a:t>Patrícia Pontes Cruz</a:t>
             </a:r>
             <a:br>
-              <a:rPr lang="pt-BR" dirty="0" smtClean="0"/>
+              <a:rPr lang="pt-BR" dirty="0"/>
             </a:br>
             <a:r>
-              <a:rPr lang="pt-BR" dirty="0" smtClean="0"/>
-              <a:t>Patrícia Pontes Cruz</a:t>
-            </a:r>
-            <a:r>
-              <a:rPr lang="pt-BR" smtClean="0"/>
-              <a:t/>
-            </a:r>
-            <a:br>
-              <a:rPr lang="pt-BR" smtClean="0"/>
-            </a:br>
-            <a:r>
-              <a:rPr lang="pt-BR"/>
+              <a:rPr lang="pt-BR" dirty="0"/>
               <a:t>Renan Farias Felipe</a:t>
             </a:r>
-            <a:endParaRPr lang="pt-BR" dirty="0"/>
           </a:p>
         </p:txBody>
       </p:sp>
@@ -8203,18 +8194,92 @@
                   <a:schemeClr val="tx1"/>
                 </a:solidFill>
               </a:rPr>
-              <a:t> e Point &amp; Click;</a:t>
-            </a:r>
-          </a:p>
-          <a:p>
-            <a:pPr marL="0" indent="0">
-              <a:buNone/>
-            </a:pPr>
-            <a:endParaRPr lang="pt-BR" dirty="0">
-              <a:solidFill>
-                <a:schemeClr val="tx1"/>
-              </a:solidFill>
-            </a:endParaRPr>
+              <a:t> e Point &amp; Click</a:t>
+            </a:r>
+            <a:r>
+              <a:rPr lang="pt-BR" dirty="0" smtClean="0">
+                <a:solidFill>
+                  <a:schemeClr val="tx1"/>
+                </a:solidFill>
+              </a:rPr>
+              <a:t>;</a:t>
+            </a:r>
+          </a:p>
+          <a:p>
+            <a:r>
+              <a:rPr lang="pt-BR" dirty="0" smtClean="0">
+                <a:solidFill>
+                  <a:schemeClr val="tx1"/>
+                </a:solidFill>
+              </a:rPr>
+              <a:t> </a:t>
+            </a:r>
+            <a:r>
+              <a:rPr lang="pt-BR" dirty="0" smtClean="0">
+                <a:solidFill>
+                  <a:schemeClr val="tx1"/>
+                </a:solidFill>
+              </a:rPr>
+              <a:t>Bugs/bugs/divergência entre o mesmo projeto em computadores diferentes; (</a:t>
+            </a:r>
+            <a:r>
+              <a:rPr lang="pt-BR" dirty="0" err="1">
+                <a:solidFill>
+                  <a:schemeClr val="tx1"/>
+                </a:solidFill>
+              </a:rPr>
+              <a:t>r</a:t>
+            </a:r>
+            <a:r>
+              <a:rPr lang="pt-BR" dirty="0" err="1" smtClean="0">
+                <a:solidFill>
+                  <a:schemeClr val="tx1"/>
+                </a:solidFill>
+              </a:rPr>
+              <a:t>enderização</a:t>
+            </a:r>
+            <a:r>
+              <a:rPr lang="pt-BR" dirty="0" smtClean="0">
+                <a:solidFill>
+                  <a:schemeClr val="tx1"/>
+                </a:solidFill>
+              </a:rPr>
+              <a:t>, erros em códigos iguais)</a:t>
+            </a:r>
+          </a:p>
+          <a:p>
+            <a:r>
+              <a:rPr lang="pt-BR" dirty="0" err="1" smtClean="0">
+                <a:solidFill>
+                  <a:schemeClr val="tx1"/>
+                </a:solidFill>
+              </a:rPr>
+              <a:t>GitHub</a:t>
+            </a:r>
+            <a:r>
+              <a:rPr lang="pt-BR" dirty="0" smtClean="0">
+                <a:solidFill>
+                  <a:schemeClr val="tx1"/>
+                </a:solidFill>
+              </a:rPr>
+              <a:t> </a:t>
+            </a:r>
+            <a:r>
+              <a:rPr lang="pt-BR" dirty="0" err="1" smtClean="0">
+                <a:solidFill>
+                  <a:schemeClr val="tx1"/>
+                </a:solidFill>
+              </a:rPr>
+              <a:t>bugando</a:t>
+            </a:r>
+            <a:r>
+              <a:rPr lang="pt-BR" dirty="0" smtClean="0">
+                <a:solidFill>
+                  <a:schemeClr val="tx1"/>
+                </a:solidFill>
+              </a:rPr>
+              <a:t> os códigos quando tentávamos sincroniza-los.</a:t>
+            </a:r>
           </a:p>
         </p:txBody>
       </p:sp>

--- a/Apresentacao.pptx
+++ b/Apresentacao.pptx
@@ -7892,37 +7892,36 @@
           </a:p>
         </p:txBody>
       </p:sp>
-      <p:sp>
-        <p:nvSpPr>
-          <p:cNvPr id="3" name="Espaço Reservado para Conteúdo 2"/>
-          <p:cNvSpPr>
-            <a:spLocks noGrp="1"/>
-          </p:cNvSpPr>
-          <p:nvPr>
-            <p:ph idx="1"/>
-          </p:nvPr>
-        </p:nvSpPr>
-        <p:spPr/>
-        <p:txBody>
-          <a:bodyPr/>
-          <a:lstStyle/>
-          <a:p>
-            <a:r>
-              <a:rPr lang="pt-BR" dirty="0" smtClean="0">
-                <a:solidFill>
-                  <a:srgbClr val="FF0000"/>
-                </a:solidFill>
-              </a:rPr>
-              <a:t>COLOCAR UMA IMAGEM AQUI DO MODELO DO JOGO E UMA BREVE EXPLICAÇÃO</a:t>
-            </a:r>
-            <a:endParaRPr lang="pt-BR" dirty="0">
-              <a:solidFill>
-                <a:srgbClr val="FF0000"/>
-              </a:solidFill>
-            </a:endParaRPr>
-          </a:p>
-        </p:txBody>
-      </p:sp>
+      <p:pic>
+        <p:nvPicPr>
+          <p:cNvPr id="5" name="Imagem 4"/>
+          <p:cNvPicPr>
+            <a:picLocks noChangeAspect="1"/>
+          </p:cNvPicPr>
+          <p:nvPr/>
+        </p:nvPicPr>
+        <p:blipFill>
+          <a:blip r:embed="rId2">
+            <a:extLst>
+              <a:ext uri="{28A0092B-C50C-407E-A947-70E740481C1C}">
+                <a14:useLocalDpi xmlns:a14="http://schemas.microsoft.com/office/drawing/2010/main" val="0"/>
+              </a:ext>
+            </a:extLst>
+          </a:blip>
+          <a:stretch>
+            <a:fillRect/>
+          </a:stretch>
+        </p:blipFill>
+        <p:spPr>
+          <a:xfrm>
+            <a:off x="2833351" y="1597607"/>
+            <a:ext cx="8272093" cy="4643297"/>
+          </a:xfrm>
+          <a:prstGeom prst="rect">
+            <a:avLst/>
+          </a:prstGeom>
+        </p:spPr>
+      </p:pic>
     </p:spTree>
     <p:extLst>
       <p:ext uri="{BB962C8B-B14F-4D97-AF65-F5344CB8AC3E}">
@@ -8086,6 +8085,16 @@
               <a:t>Imagens das cartas</a:t>
             </a:r>
           </a:p>
+          <a:p>
+            <a:r>
+              <a:rPr lang="pt-BR" dirty="0" smtClean="0">
+                <a:solidFill>
+                  <a:schemeClr val="tx1"/>
+                </a:solidFill>
+              </a:rPr>
+              <a:t>Menu Inicial</a:t>
+            </a:r>
+          </a:p>
         </p:txBody>
       </p:sp>
     </p:spTree>
@@ -8194,33 +8203,17 @@
                   <a:schemeClr val="tx1"/>
                 </a:solidFill>
               </a:rPr>
-              <a:t> e Point &amp; Click</a:t>
-            </a:r>
+              <a:t> e Point &amp; Click;</a:t>
+            </a:r>
+          </a:p>
+          <a:p>
             <a:r>
               <a:rPr lang="pt-BR" dirty="0" smtClean="0">
                 <a:solidFill>
                   <a:schemeClr val="tx1"/>
                 </a:solidFill>
               </a:rPr>
-              <a:t>;</a:t>
-            </a:r>
-          </a:p>
-          <a:p>
-            <a:r>
-              <a:rPr lang="pt-BR" dirty="0" smtClean="0">
-                <a:solidFill>
-                  <a:schemeClr val="tx1"/>
-                </a:solidFill>
-              </a:rPr>
-              <a:t> </a:t>
-            </a:r>
-            <a:r>
-              <a:rPr lang="pt-BR" dirty="0" smtClean="0">
-                <a:solidFill>
-                  <a:schemeClr val="tx1"/>
-                </a:solidFill>
-              </a:rPr>
-              <a:t>Bugs/bugs/divergência entre o mesmo projeto em computadores diferentes; (</a:t>
+              <a:t> Bugs/bugs/divergência entre o mesmo projeto em computadores diferentes; (</a:t>
             </a:r>
             <a:r>
               <a:rPr lang="pt-BR" dirty="0" err="1">
@@ -8348,7 +8341,9 @@
         </p:nvSpPr>
         <p:spPr/>
         <p:txBody>
-          <a:bodyPr/>
+          <a:bodyPr>
+            <a:normAutofit/>
+          </a:bodyPr>
           <a:lstStyle/>
           <a:p>
             <a:r>
@@ -8455,6 +8450,29 @@
               </a:rPr>
               <a:t>cartas</a:t>
             </a:r>
+          </a:p>
+          <a:p>
+            <a:r>
+              <a:rPr lang="pt-BR">
+                <a:solidFill>
+                  <a:schemeClr val="tx1"/>
+                </a:solidFill>
+              </a:rPr>
+              <a:t>Menu </a:t>
+            </a:r>
+            <a:r>
+              <a:rPr lang="pt-BR" smtClean="0">
+                <a:solidFill>
+                  <a:schemeClr val="tx1"/>
+                </a:solidFill>
+              </a:rPr>
+              <a:t>Inicial</a:t>
+            </a:r>
+            <a:endParaRPr lang="pt-BR" dirty="0" smtClean="0">
+              <a:solidFill>
+                <a:schemeClr val="tx1"/>
+              </a:solidFill>
+            </a:endParaRPr>
           </a:p>
           <a:p>
             <a:endParaRPr lang="pt-BR" dirty="0">
